--- a/presentation/presentation.pptx
+++ b/presentation/presentation.pptx
@@ -207,7 +207,7 @@
           <a:p>
             <a:fld id="{A3737062-4079-2B41-B81A-DEAA5A7C4C04}" type="datetimeFigureOut">
               <a:rPr lang="en-IT" smtClean="0"/>
-              <a:t>12/12/2020</a:t>
+              <a:t>13/12/2020</a:t>
             </a:fld>
             <a:endParaRPr lang="en-IT"/>
           </a:p>
@@ -1532,7 +1532,7 @@
           <a:p>
             <a:fld id="{9AB3A824-1A51-4B26-AD58-A6D8E14F6C04}" type="datetimeFigureOut">
               <a:rPr lang="en-US" smtClean="0"/>
-              <a:t>12/12/20</a:t>
+              <a:t>12/13/20</a:t>
             </a:fld>
             <a:endParaRPr lang="en-US" dirty="0"/>
           </a:p>
@@ -1872,7 +1872,7 @@
           <a:p>
             <a:fld id="{3CBC1C18-307B-4F68-A007-B5B542270E8D}" type="datetimeFigureOut">
               <a:rPr lang="en-US" smtClean="0"/>
-              <a:t>12/12/20</a:t>
+              <a:t>12/13/20</a:t>
             </a:fld>
             <a:endParaRPr lang="en-US" dirty="0"/>
           </a:p>
@@ -2182,7 +2182,7 @@
           <a:p>
             <a:fld id="{3CBC1C18-307B-4F68-A007-B5B542270E8D}" type="datetimeFigureOut">
               <a:rPr lang="en-US" smtClean="0"/>
-              <a:t>12/12/20</a:t>
+              <a:t>12/13/20</a:t>
             </a:fld>
             <a:endParaRPr lang="en-US" dirty="0"/>
           </a:p>
@@ -2437,7 +2437,7 @@
           <a:p>
             <a:fld id="{3CBC1C18-307B-4F68-A007-B5B542270E8D}" type="datetimeFigureOut">
               <a:rPr lang="en-US" smtClean="0"/>
-              <a:t>12/12/20</a:t>
+              <a:t>12/13/20</a:t>
             </a:fld>
             <a:endParaRPr lang="en-US" dirty="0"/>
           </a:p>
@@ -2852,7 +2852,7 @@
           <a:p>
             <a:fld id="{3E5059C3-6A89-4494-99FF-5A4D6FFD50EB}" type="datetimeFigureOut">
               <a:rPr lang="en-US" smtClean="0"/>
-              <a:t>12/12/20</a:t>
+              <a:t>12/13/20</a:t>
             </a:fld>
             <a:endParaRPr lang="en-US" dirty="0"/>
           </a:p>
@@ -3172,7 +3172,7 @@
           <a:p>
             <a:fld id="{3CBC1C18-307B-4F68-A007-B5B542270E8D}" type="datetimeFigureOut">
               <a:rPr lang="en-US" smtClean="0"/>
-              <a:t>12/12/20</a:t>
+              <a:t>12/13/20</a:t>
             </a:fld>
             <a:endParaRPr lang="en-US" dirty="0"/>
           </a:p>
@@ -3724,7 +3724,7 @@
           <a:p>
             <a:fld id="{3CBC1C18-307B-4F68-A007-B5B542270E8D}" type="datetimeFigureOut">
               <a:rPr lang="en-US" smtClean="0"/>
-              <a:t>12/12/20</a:t>
+              <a:t>12/13/20</a:t>
             </a:fld>
             <a:endParaRPr lang="en-US" dirty="0"/>
           </a:p>
@@ -3927,7 +3927,7 @@
           <a:p>
             <a:fld id="{1FAF3416-4057-4DAA-829D-4CA07428D088}" type="datetimeFigureOut">
               <a:rPr lang="en-US" smtClean="0"/>
-              <a:t>12/12/20</a:t>
+              <a:t>12/13/20</a:t>
             </a:fld>
             <a:endParaRPr lang="en-US" dirty="0"/>
           </a:p>
@@ -4146,7 +4146,7 @@
           <a:p>
             <a:fld id="{921D9284-D300-4297-87F7-E791DCC15DB1}" type="datetimeFigureOut">
               <a:rPr lang="en-US" smtClean="0"/>
-              <a:t>12/12/20</a:t>
+              <a:t>12/13/20</a:t>
             </a:fld>
             <a:endParaRPr lang="en-US" dirty="0"/>
           </a:p>
@@ -4521,7 +4521,7 @@
           <a:p>
             <a:fld id="{3CBC1C18-307B-4F68-A007-B5B542270E8D}" type="datetimeFigureOut">
               <a:rPr lang="en-US" smtClean="0"/>
-              <a:t>12/12/20</a:t>
+              <a:t>12/13/20</a:t>
             </a:fld>
             <a:endParaRPr lang="en-US" dirty="0"/>
           </a:p>
@@ -4932,7 +4932,7 @@
           <a:p>
             <a:fld id="{3CBC1C18-307B-4F68-A007-B5B542270E8D}" type="datetimeFigureOut">
               <a:rPr lang="en-US" smtClean="0"/>
-              <a:t>12/12/20</a:t>
+              <a:t>12/13/20</a:t>
             </a:fld>
             <a:endParaRPr lang="en-US" dirty="0"/>
           </a:p>
@@ -5246,7 +5246,7 @@
           <a:p>
             <a:fld id="{3CBC1C18-307B-4F68-A007-B5B542270E8D}" type="datetimeFigureOut">
               <a:rPr lang="en-US" smtClean="0"/>
-              <a:t>12/12/20</a:t>
+              <a:t>12/13/20</a:t>
             </a:fld>
             <a:endParaRPr lang="en-US" dirty="0"/>
           </a:p>
